--- a/项目文档/文档与ppt/G10项目实现PPT.pptx
+++ b/项目文档/文档与ppt/G10项目实现PPT.pptx
@@ -233,7 +233,7 @@
           <a:p>
             <a:fld id="{A109EA2A-4C48-4C61-B30A-DAB1A3E93B21}" type="datetimeFigureOut">
               <a:rPr lang="zh-CN" altLang="en-US" smtClean="0"/>
-              <a:t>2021/12/17</a:t>
+              <a:t>2021/12/29</a:t>
             </a:fld>
             <a:endParaRPr lang="zh-CN" altLang="en-US"/>
           </a:p>
@@ -1536,7 +1536,7 @@
             </a:r>
             <a:r>
               <a:rPr lang="zh-CN" altLang="en-US" dirty="0"/>
-              <a:t>变量名</a:t>
+              <a:t>变量名小驼峰</a:t>
             </a:r>
             <a:endParaRPr lang="en-US" altLang="zh-CN" dirty="0"/>
           </a:p>
